--- a/Reto_Procesamiento_datos.pptx
+++ b/Reto_Procesamiento_datos.pptx
@@ -116,6 +116,11 @@
       </a:defRPr>
     </a:lvl9pPr>
   </p:defaultTextStyle>
+  <p:extLst>
+    <p:ext uri="{EFAFB233-063F-42B5-8137-9DF3F51BA10A}">
+      <p15:sldGuideLst xmlns:p15="http://schemas.microsoft.com/office/powerpoint/2012/main"/>
+    </p:ext>
+  </p:extLst>
 </p:presentation>
 </file>
 
@@ -287,7 +292,7 @@
           <a:p>
             <a:fld id="{67F45AC6-C491-4585-A584-9CE2AF7D5500}" type="datetime1">
               <a:rPr lang="en-US" smtClean="0"/>
-              <a:t>3/23/2025</a:t>
+              <a:t>3/24/2025</a:t>
             </a:fld>
             <a:endParaRPr lang="en-US"/>
           </a:p>
@@ -516,7 +521,7 @@
           <a:p>
             <a:fld id="{67F45AC6-C491-4585-A584-9CE2AF7D5500}" type="datetime1">
               <a:rPr lang="en-US" smtClean="0"/>
-              <a:t>3/23/2025</a:t>
+              <a:t>3/24/2025</a:t>
             </a:fld>
             <a:endParaRPr lang="en-US"/>
           </a:p>
@@ -697,7 +702,7 @@
           <a:p>
             <a:fld id="{67F45AC6-C491-4585-A584-9CE2AF7D5500}" type="datetime1">
               <a:rPr lang="en-US" smtClean="0"/>
-              <a:t>3/23/2025</a:t>
+              <a:t>3/24/2025</a:t>
             </a:fld>
             <a:endParaRPr lang="en-US"/>
           </a:p>
@@ -868,7 +873,7 @@
           <a:p>
             <a:fld id="{67F45AC6-C491-4585-A584-9CE2AF7D5500}" type="datetime1">
               <a:rPr lang="en-US" smtClean="0"/>
-              <a:t>3/23/2025</a:t>
+              <a:t>3/24/2025</a:t>
             </a:fld>
             <a:endParaRPr lang="en-US"/>
           </a:p>
@@ -1123,7 +1128,7 @@
           <a:p>
             <a:fld id="{67F45AC6-C491-4585-A584-9CE2AF7D5500}" type="datetime1">
               <a:rPr lang="en-US" smtClean="0"/>
-              <a:t>3/23/2025</a:t>
+              <a:t>3/24/2025</a:t>
             </a:fld>
             <a:endParaRPr lang="en-US"/>
           </a:p>
@@ -1450,7 +1455,7 @@
           <a:p>
             <a:fld id="{67F45AC6-C491-4585-A584-9CE2AF7D5500}" type="datetime1">
               <a:rPr lang="en-US" smtClean="0"/>
-              <a:t>3/23/2025</a:t>
+              <a:t>3/24/2025</a:t>
             </a:fld>
             <a:endParaRPr lang="en-US"/>
           </a:p>
@@ -1902,7 +1907,7 @@
           <a:p>
             <a:fld id="{67F45AC6-C491-4585-A584-9CE2AF7D5500}" type="datetime1">
               <a:rPr lang="en-US" smtClean="0"/>
-              <a:t>3/23/2025</a:t>
+              <a:t>3/24/2025</a:t>
             </a:fld>
             <a:endParaRPr lang="en-US"/>
           </a:p>
@@ -2021,7 +2026,7 @@
           <a:p>
             <a:fld id="{67F45AC6-C491-4585-A584-9CE2AF7D5500}" type="datetime1">
               <a:rPr lang="en-US" smtClean="0"/>
-              <a:t>3/23/2025</a:t>
+              <a:t>3/24/2025</a:t>
             </a:fld>
             <a:endParaRPr lang="en-US"/>
           </a:p>
@@ -2117,7 +2122,7 @@
           <a:p>
             <a:fld id="{67F45AC6-C491-4585-A584-9CE2AF7D5500}" type="datetime1">
               <a:rPr lang="en-US" smtClean="0"/>
-              <a:t>3/23/2025</a:t>
+              <a:t>3/24/2025</a:t>
             </a:fld>
             <a:endParaRPr lang="en-US"/>
           </a:p>
@@ -2405,7 +2410,7 @@
           <a:p>
             <a:fld id="{67F45AC6-C491-4585-A584-9CE2AF7D5500}" type="datetime1">
               <a:rPr lang="en-US" smtClean="0"/>
-              <a:t>3/23/2025</a:t>
+              <a:t>3/24/2025</a:t>
             </a:fld>
             <a:endParaRPr lang="en-US"/>
           </a:p>
@@ -2728,7 +2733,7 @@
           <a:p>
             <a:fld id="{67F45AC6-C491-4585-A584-9CE2AF7D5500}" type="datetime1">
               <a:rPr lang="en-US" smtClean="0"/>
-              <a:t>3/23/2025</a:t>
+              <a:t>3/24/2025</a:t>
             </a:fld>
             <a:endParaRPr lang="en-US"/>
           </a:p>
@@ -2983,7 +2988,7 @@
           <a:p>
             <a:fld id="{67F45AC6-C491-4585-A584-9CE2AF7D5500}" type="datetime1">
               <a:rPr lang="en-US" smtClean="0"/>
-              <a:t>3/23/2025</a:t>
+              <a:t>3/24/2025</a:t>
             </a:fld>
             <a:endParaRPr lang="en-US"/>
           </a:p>
@@ -5922,10 +5927,10 @@
       </p:pic>
       <p:pic>
         <p:nvPicPr>
-          <p:cNvPr id="8" name="Imagen 7">
+          <p:cNvPr id="6" name="Imagen 5">
             <a:extLst>
               <a:ext uri="{FF2B5EF4-FFF2-40B4-BE49-F238E27FC236}">
-                <a16:creationId xmlns:a16="http://schemas.microsoft.com/office/drawing/2014/main" id="{8535A6FF-76D3-0B26-CA04-906B92E1E506}"/>
+                <a16:creationId xmlns:a16="http://schemas.microsoft.com/office/drawing/2014/main" id="{57A7A9A3-5FAF-909B-F4B2-D2EDE6B862E0}"/>
               </a:ext>
             </a:extLst>
           </p:cNvPr>
@@ -5942,8 +5947,8 @@
         </p:blipFill>
         <p:spPr>
           <a:xfrm>
-            <a:off x="5848349" y="1789027"/>
-            <a:ext cx="5324475" cy="3279946"/>
+            <a:off x="6096000" y="2347935"/>
+            <a:ext cx="4895850" cy="2663545"/>
           </a:xfrm>
           <a:prstGeom prst="rect">
             <a:avLst/>
